--- a/japanese/YAKISOBA.pptx
+++ b/japanese/YAKISOBA.pptx
@@ -112,6 +112,11 @@
       </a:defRPr>
     </a:lvl9pPr>
   </p:defaultTextStyle>
+  <p:extLst>
+    <p:ext uri="{EFAFB233-063F-42B5-8137-9DF3F51BA10A}">
+      <p15:sldGuideLst xmlns:p15="http://schemas.microsoft.com/office/powerpoint/2012/main"/>
+    </p:ext>
+  </p:extLst>
 </p:presentation>
 </file>
 
@@ -157,10 +162,9 @@
           </a:lstStyle>
           <a:p>
             <a:r>
-              <a:rPr lang="ko-KR" altLang="en-US" smtClean="0"/>
+              <a:rPr lang="ko-KR" altLang="en-US"/>
               <a:t>마스터 제목 스타일 편집</a:t>
             </a:r>
-            <a:endParaRPr lang="ko-KR" altLang="en-US"/>
           </a:p>
         </p:txBody>
       </p:sp>
@@ -222,10 +226,9 @@
           </a:lstStyle>
           <a:p>
             <a:r>
-              <a:rPr lang="ko-KR" altLang="en-US" smtClean="0"/>
+              <a:rPr lang="ko-KR" altLang="en-US"/>
               <a:t>클릭하여 마스터 부제목 스타일 편집</a:t>
             </a:r>
-            <a:endParaRPr lang="ko-KR" altLang="en-US"/>
           </a:p>
         </p:txBody>
       </p:sp>
@@ -246,7 +249,7 @@
           <a:p>
             <a:fld id="{AE0CDEBD-5B3E-40CE-9801-6F7DCF1244F3}" type="datetimeFigureOut">
               <a:rPr lang="ko-KR" altLang="en-US" smtClean="0"/>
-              <a:t>2017-07-17</a:t>
+              <a:t>2017-08-08</a:t>
             </a:fld>
             <a:endParaRPr lang="ko-KR" altLang="en-US"/>
           </a:p>
@@ -340,10 +343,9 @@
           <a:lstStyle/>
           <a:p>
             <a:r>
-              <a:rPr lang="ko-KR" altLang="en-US" smtClean="0"/>
+              <a:rPr lang="ko-KR" altLang="en-US"/>
               <a:t>마스터 제목 스타일 편집</a:t>
             </a:r>
-            <a:endParaRPr lang="ko-KR" altLang="en-US"/>
           </a:p>
         </p:txBody>
       </p:sp>
@@ -364,38 +366,37 @@
           <a:p>
             <a:pPr lvl="0"/>
             <a:r>
-              <a:rPr lang="ko-KR" altLang="en-US" smtClean="0"/>
+              <a:rPr lang="ko-KR" altLang="en-US"/>
               <a:t>마스터 텍스트 스타일 편집</a:t>
             </a:r>
           </a:p>
           <a:p>
             <a:pPr lvl="1"/>
             <a:r>
-              <a:rPr lang="ko-KR" altLang="en-US" smtClean="0"/>
+              <a:rPr lang="ko-KR" altLang="en-US"/>
               <a:t>둘째 수준</a:t>
             </a:r>
           </a:p>
           <a:p>
             <a:pPr lvl="2"/>
             <a:r>
-              <a:rPr lang="ko-KR" altLang="en-US" smtClean="0"/>
+              <a:rPr lang="ko-KR" altLang="en-US"/>
               <a:t>셋째 수준</a:t>
             </a:r>
           </a:p>
           <a:p>
             <a:pPr lvl="3"/>
             <a:r>
-              <a:rPr lang="ko-KR" altLang="en-US" smtClean="0"/>
+              <a:rPr lang="ko-KR" altLang="en-US"/>
               <a:t>넷째 수준</a:t>
             </a:r>
           </a:p>
           <a:p>
             <a:pPr lvl="4"/>
             <a:r>
-              <a:rPr lang="ko-KR" altLang="en-US" smtClean="0"/>
+              <a:rPr lang="ko-KR" altLang="en-US"/>
               <a:t>다섯째 수준</a:t>
             </a:r>
-            <a:endParaRPr lang="ko-KR" altLang="en-US"/>
           </a:p>
         </p:txBody>
       </p:sp>
@@ -416,7 +417,7 @@
           <a:p>
             <a:fld id="{AE0CDEBD-5B3E-40CE-9801-6F7DCF1244F3}" type="datetimeFigureOut">
               <a:rPr lang="ko-KR" altLang="en-US" smtClean="0"/>
-              <a:t>2017-07-17</a:t>
+              <a:t>2017-08-08</a:t>
             </a:fld>
             <a:endParaRPr lang="ko-KR" altLang="en-US"/>
           </a:p>
@@ -515,10 +516,9 @@
           <a:lstStyle/>
           <a:p>
             <a:r>
-              <a:rPr lang="ko-KR" altLang="en-US" smtClean="0"/>
+              <a:rPr lang="ko-KR" altLang="en-US"/>
               <a:t>마스터 제목 스타일 편집</a:t>
             </a:r>
-            <a:endParaRPr lang="ko-KR" altLang="en-US"/>
           </a:p>
         </p:txBody>
       </p:sp>
@@ -544,38 +544,37 @@
           <a:p>
             <a:pPr lvl="0"/>
             <a:r>
-              <a:rPr lang="ko-KR" altLang="en-US" smtClean="0"/>
+              <a:rPr lang="ko-KR" altLang="en-US"/>
               <a:t>마스터 텍스트 스타일 편집</a:t>
             </a:r>
           </a:p>
           <a:p>
             <a:pPr lvl="1"/>
             <a:r>
-              <a:rPr lang="ko-KR" altLang="en-US" smtClean="0"/>
+              <a:rPr lang="ko-KR" altLang="en-US"/>
               <a:t>둘째 수준</a:t>
             </a:r>
           </a:p>
           <a:p>
             <a:pPr lvl="2"/>
             <a:r>
-              <a:rPr lang="ko-KR" altLang="en-US" smtClean="0"/>
+              <a:rPr lang="ko-KR" altLang="en-US"/>
               <a:t>셋째 수준</a:t>
             </a:r>
           </a:p>
           <a:p>
             <a:pPr lvl="3"/>
             <a:r>
-              <a:rPr lang="ko-KR" altLang="en-US" smtClean="0"/>
+              <a:rPr lang="ko-KR" altLang="en-US"/>
               <a:t>넷째 수준</a:t>
             </a:r>
           </a:p>
           <a:p>
             <a:pPr lvl="4"/>
             <a:r>
-              <a:rPr lang="ko-KR" altLang="en-US" smtClean="0"/>
+              <a:rPr lang="ko-KR" altLang="en-US"/>
               <a:t>다섯째 수준</a:t>
             </a:r>
-            <a:endParaRPr lang="ko-KR" altLang="en-US"/>
           </a:p>
         </p:txBody>
       </p:sp>
@@ -596,7 +595,7 @@
           <a:p>
             <a:fld id="{AE0CDEBD-5B3E-40CE-9801-6F7DCF1244F3}" type="datetimeFigureOut">
               <a:rPr lang="ko-KR" altLang="en-US" smtClean="0"/>
-              <a:t>2017-07-17</a:t>
+              <a:t>2017-08-08</a:t>
             </a:fld>
             <a:endParaRPr lang="ko-KR" altLang="en-US"/>
           </a:p>
@@ -690,10 +689,9 @@
           <a:lstStyle/>
           <a:p>
             <a:r>
-              <a:rPr lang="ko-KR" altLang="en-US" smtClean="0"/>
+              <a:rPr lang="ko-KR" altLang="en-US"/>
               <a:t>마스터 제목 스타일 편집</a:t>
             </a:r>
-            <a:endParaRPr lang="ko-KR" altLang="en-US"/>
           </a:p>
         </p:txBody>
       </p:sp>
@@ -714,38 +712,37 @@
           <a:p>
             <a:pPr lvl="0"/>
             <a:r>
-              <a:rPr lang="ko-KR" altLang="en-US" smtClean="0"/>
+              <a:rPr lang="ko-KR" altLang="en-US"/>
               <a:t>마스터 텍스트 스타일 편집</a:t>
             </a:r>
           </a:p>
           <a:p>
             <a:pPr lvl="1"/>
             <a:r>
-              <a:rPr lang="ko-KR" altLang="en-US" smtClean="0"/>
+              <a:rPr lang="ko-KR" altLang="en-US"/>
               <a:t>둘째 수준</a:t>
             </a:r>
           </a:p>
           <a:p>
             <a:pPr lvl="2"/>
             <a:r>
-              <a:rPr lang="ko-KR" altLang="en-US" smtClean="0"/>
+              <a:rPr lang="ko-KR" altLang="en-US"/>
               <a:t>셋째 수준</a:t>
             </a:r>
           </a:p>
           <a:p>
             <a:pPr lvl="3"/>
             <a:r>
-              <a:rPr lang="ko-KR" altLang="en-US" smtClean="0"/>
+              <a:rPr lang="ko-KR" altLang="en-US"/>
               <a:t>넷째 수준</a:t>
             </a:r>
           </a:p>
           <a:p>
             <a:pPr lvl="4"/>
             <a:r>
-              <a:rPr lang="ko-KR" altLang="en-US" smtClean="0"/>
+              <a:rPr lang="ko-KR" altLang="en-US"/>
               <a:t>다섯째 수준</a:t>
             </a:r>
-            <a:endParaRPr lang="ko-KR" altLang="en-US"/>
           </a:p>
         </p:txBody>
       </p:sp>
@@ -766,7 +763,7 @@
           <a:p>
             <a:fld id="{AE0CDEBD-5B3E-40CE-9801-6F7DCF1244F3}" type="datetimeFigureOut">
               <a:rPr lang="ko-KR" altLang="en-US" smtClean="0"/>
-              <a:t>2017-07-17</a:t>
+              <a:t>2017-08-08</a:t>
             </a:fld>
             <a:endParaRPr lang="ko-KR" altLang="en-US"/>
           </a:p>
@@ -869,10 +866,9 @@
           </a:lstStyle>
           <a:p>
             <a:r>
-              <a:rPr lang="ko-KR" altLang="en-US" smtClean="0"/>
+              <a:rPr lang="ko-KR" altLang="en-US"/>
               <a:t>마스터 제목 스타일 편집</a:t>
             </a:r>
-            <a:endParaRPr lang="ko-KR" altLang="en-US"/>
           </a:p>
         </p:txBody>
       </p:sp>
@@ -989,7 +985,7 @@
           <a:p>
             <a:pPr lvl="0"/>
             <a:r>
-              <a:rPr lang="ko-KR" altLang="en-US" smtClean="0"/>
+              <a:rPr lang="ko-KR" altLang="en-US"/>
               <a:t>마스터 텍스트 스타일 편집</a:t>
             </a:r>
           </a:p>
@@ -1012,7 +1008,7 @@
           <a:p>
             <a:fld id="{AE0CDEBD-5B3E-40CE-9801-6F7DCF1244F3}" type="datetimeFigureOut">
               <a:rPr lang="ko-KR" altLang="en-US" smtClean="0"/>
-              <a:t>2017-07-17</a:t>
+              <a:t>2017-08-08</a:t>
             </a:fld>
             <a:endParaRPr lang="ko-KR" altLang="en-US"/>
           </a:p>
@@ -1106,10 +1102,9 @@
           <a:lstStyle/>
           <a:p>
             <a:r>
-              <a:rPr lang="ko-KR" altLang="en-US" smtClean="0"/>
+              <a:rPr lang="ko-KR" altLang="en-US"/>
               <a:t>마스터 제목 스타일 편집</a:t>
             </a:r>
-            <a:endParaRPr lang="ko-KR" altLang="en-US"/>
           </a:p>
         </p:txBody>
       </p:sp>
@@ -1135,38 +1130,37 @@
           <a:p>
             <a:pPr lvl="0"/>
             <a:r>
-              <a:rPr lang="ko-KR" altLang="en-US" smtClean="0"/>
+              <a:rPr lang="ko-KR" altLang="en-US"/>
               <a:t>마스터 텍스트 스타일 편집</a:t>
             </a:r>
           </a:p>
           <a:p>
             <a:pPr lvl="1"/>
             <a:r>
-              <a:rPr lang="ko-KR" altLang="en-US" smtClean="0"/>
+              <a:rPr lang="ko-KR" altLang="en-US"/>
               <a:t>둘째 수준</a:t>
             </a:r>
           </a:p>
           <a:p>
             <a:pPr lvl="2"/>
             <a:r>
-              <a:rPr lang="ko-KR" altLang="en-US" smtClean="0"/>
+              <a:rPr lang="ko-KR" altLang="en-US"/>
               <a:t>셋째 수준</a:t>
             </a:r>
           </a:p>
           <a:p>
             <a:pPr lvl="3"/>
             <a:r>
-              <a:rPr lang="ko-KR" altLang="en-US" smtClean="0"/>
+              <a:rPr lang="ko-KR" altLang="en-US"/>
               <a:t>넷째 수준</a:t>
             </a:r>
           </a:p>
           <a:p>
             <a:pPr lvl="4"/>
             <a:r>
-              <a:rPr lang="ko-KR" altLang="en-US" smtClean="0"/>
+              <a:rPr lang="ko-KR" altLang="en-US"/>
               <a:t>다섯째 수준</a:t>
             </a:r>
-            <a:endParaRPr lang="ko-KR" altLang="en-US"/>
           </a:p>
         </p:txBody>
       </p:sp>
@@ -1192,38 +1186,37 @@
           <a:p>
             <a:pPr lvl="0"/>
             <a:r>
-              <a:rPr lang="ko-KR" altLang="en-US" smtClean="0"/>
+              <a:rPr lang="ko-KR" altLang="en-US"/>
               <a:t>마스터 텍스트 스타일 편집</a:t>
             </a:r>
           </a:p>
           <a:p>
             <a:pPr lvl="1"/>
             <a:r>
-              <a:rPr lang="ko-KR" altLang="en-US" smtClean="0"/>
+              <a:rPr lang="ko-KR" altLang="en-US"/>
               <a:t>둘째 수준</a:t>
             </a:r>
           </a:p>
           <a:p>
             <a:pPr lvl="2"/>
             <a:r>
-              <a:rPr lang="ko-KR" altLang="en-US" smtClean="0"/>
+              <a:rPr lang="ko-KR" altLang="en-US"/>
               <a:t>셋째 수준</a:t>
             </a:r>
           </a:p>
           <a:p>
             <a:pPr lvl="3"/>
             <a:r>
-              <a:rPr lang="ko-KR" altLang="en-US" smtClean="0"/>
+              <a:rPr lang="ko-KR" altLang="en-US"/>
               <a:t>넷째 수준</a:t>
             </a:r>
           </a:p>
           <a:p>
             <a:pPr lvl="4"/>
             <a:r>
-              <a:rPr lang="ko-KR" altLang="en-US" smtClean="0"/>
+              <a:rPr lang="ko-KR" altLang="en-US"/>
               <a:t>다섯째 수준</a:t>
             </a:r>
-            <a:endParaRPr lang="ko-KR" altLang="en-US"/>
           </a:p>
         </p:txBody>
       </p:sp>
@@ -1244,7 +1237,7 @@
           <a:p>
             <a:fld id="{AE0CDEBD-5B3E-40CE-9801-6F7DCF1244F3}" type="datetimeFigureOut">
               <a:rPr lang="ko-KR" altLang="en-US" smtClean="0"/>
-              <a:t>2017-07-17</a:t>
+              <a:t>2017-08-08</a:t>
             </a:fld>
             <a:endParaRPr lang="ko-KR" altLang="en-US"/>
           </a:p>
@@ -1343,10 +1336,9 @@
           <a:lstStyle/>
           <a:p>
             <a:r>
-              <a:rPr lang="ko-KR" altLang="en-US" smtClean="0"/>
+              <a:rPr lang="ko-KR" altLang="en-US"/>
               <a:t>마스터 제목 스타일 편집</a:t>
             </a:r>
-            <a:endParaRPr lang="ko-KR" altLang="en-US"/>
           </a:p>
         </p:txBody>
       </p:sp>
@@ -1409,7 +1401,7 @@
           <a:p>
             <a:pPr lvl="0"/>
             <a:r>
-              <a:rPr lang="ko-KR" altLang="en-US" smtClean="0"/>
+              <a:rPr lang="ko-KR" altLang="en-US"/>
               <a:t>마스터 텍스트 스타일 편집</a:t>
             </a:r>
           </a:p>
@@ -1437,38 +1429,37 @@
           <a:p>
             <a:pPr lvl="0"/>
             <a:r>
-              <a:rPr lang="ko-KR" altLang="en-US" smtClean="0"/>
+              <a:rPr lang="ko-KR" altLang="en-US"/>
               <a:t>마스터 텍스트 스타일 편집</a:t>
             </a:r>
           </a:p>
           <a:p>
             <a:pPr lvl="1"/>
             <a:r>
-              <a:rPr lang="ko-KR" altLang="en-US" smtClean="0"/>
+              <a:rPr lang="ko-KR" altLang="en-US"/>
               <a:t>둘째 수준</a:t>
             </a:r>
           </a:p>
           <a:p>
             <a:pPr lvl="2"/>
             <a:r>
-              <a:rPr lang="ko-KR" altLang="en-US" smtClean="0"/>
+              <a:rPr lang="ko-KR" altLang="en-US"/>
               <a:t>셋째 수준</a:t>
             </a:r>
           </a:p>
           <a:p>
             <a:pPr lvl="3"/>
             <a:r>
-              <a:rPr lang="ko-KR" altLang="en-US" smtClean="0"/>
+              <a:rPr lang="ko-KR" altLang="en-US"/>
               <a:t>넷째 수준</a:t>
             </a:r>
           </a:p>
           <a:p>
             <a:pPr lvl="4"/>
             <a:r>
-              <a:rPr lang="ko-KR" altLang="en-US" smtClean="0"/>
+              <a:rPr lang="ko-KR" altLang="en-US"/>
               <a:t>다섯째 수준</a:t>
             </a:r>
-            <a:endParaRPr lang="ko-KR" altLang="en-US"/>
           </a:p>
         </p:txBody>
       </p:sp>
@@ -1531,7 +1522,7 @@
           <a:p>
             <a:pPr lvl="0"/>
             <a:r>
-              <a:rPr lang="ko-KR" altLang="en-US" smtClean="0"/>
+              <a:rPr lang="ko-KR" altLang="en-US"/>
               <a:t>마스터 텍스트 스타일 편집</a:t>
             </a:r>
           </a:p>
@@ -1559,38 +1550,37 @@
           <a:p>
             <a:pPr lvl="0"/>
             <a:r>
-              <a:rPr lang="ko-KR" altLang="en-US" smtClean="0"/>
+              <a:rPr lang="ko-KR" altLang="en-US"/>
               <a:t>마스터 텍스트 스타일 편집</a:t>
             </a:r>
           </a:p>
           <a:p>
             <a:pPr lvl="1"/>
             <a:r>
-              <a:rPr lang="ko-KR" altLang="en-US" smtClean="0"/>
+              <a:rPr lang="ko-KR" altLang="en-US"/>
               <a:t>둘째 수준</a:t>
             </a:r>
           </a:p>
           <a:p>
             <a:pPr lvl="2"/>
             <a:r>
-              <a:rPr lang="ko-KR" altLang="en-US" smtClean="0"/>
+              <a:rPr lang="ko-KR" altLang="en-US"/>
               <a:t>셋째 수준</a:t>
             </a:r>
           </a:p>
           <a:p>
             <a:pPr lvl="3"/>
             <a:r>
-              <a:rPr lang="ko-KR" altLang="en-US" smtClean="0"/>
+              <a:rPr lang="ko-KR" altLang="en-US"/>
               <a:t>넷째 수준</a:t>
             </a:r>
           </a:p>
           <a:p>
             <a:pPr lvl="4"/>
             <a:r>
-              <a:rPr lang="ko-KR" altLang="en-US" smtClean="0"/>
+              <a:rPr lang="ko-KR" altLang="en-US"/>
               <a:t>다섯째 수준</a:t>
             </a:r>
-            <a:endParaRPr lang="ko-KR" altLang="en-US"/>
           </a:p>
         </p:txBody>
       </p:sp>
@@ -1611,7 +1601,7 @@
           <a:p>
             <a:fld id="{AE0CDEBD-5B3E-40CE-9801-6F7DCF1244F3}" type="datetimeFigureOut">
               <a:rPr lang="ko-KR" altLang="en-US" smtClean="0"/>
-              <a:t>2017-07-17</a:t>
+              <a:t>2017-08-08</a:t>
             </a:fld>
             <a:endParaRPr lang="ko-KR" altLang="en-US"/>
           </a:p>
@@ -1705,10 +1695,9 @@
           <a:lstStyle/>
           <a:p>
             <a:r>
-              <a:rPr lang="ko-KR" altLang="en-US" smtClean="0"/>
+              <a:rPr lang="ko-KR" altLang="en-US"/>
               <a:t>마스터 제목 스타일 편집</a:t>
             </a:r>
-            <a:endParaRPr lang="ko-KR" altLang="en-US"/>
           </a:p>
         </p:txBody>
       </p:sp>
@@ -1729,7 +1718,7 @@
           <a:p>
             <a:fld id="{AE0CDEBD-5B3E-40CE-9801-6F7DCF1244F3}" type="datetimeFigureOut">
               <a:rPr lang="ko-KR" altLang="en-US" smtClean="0"/>
-              <a:t>2017-07-17</a:t>
+              <a:t>2017-08-08</a:t>
             </a:fld>
             <a:endParaRPr lang="ko-KR" altLang="en-US"/>
           </a:p>
@@ -1824,7 +1813,7 @@
           <a:p>
             <a:fld id="{AE0CDEBD-5B3E-40CE-9801-6F7DCF1244F3}" type="datetimeFigureOut">
               <a:rPr lang="ko-KR" altLang="en-US" smtClean="0"/>
-              <a:t>2017-07-17</a:t>
+              <a:t>2017-08-08</a:t>
             </a:fld>
             <a:endParaRPr lang="ko-KR" altLang="en-US"/>
           </a:p>
@@ -1927,10 +1916,9 @@
           </a:lstStyle>
           <a:p>
             <a:r>
-              <a:rPr lang="ko-KR" altLang="en-US" smtClean="0"/>
+              <a:rPr lang="ko-KR" altLang="en-US"/>
               <a:t>마스터 제목 스타일 편집</a:t>
             </a:r>
-            <a:endParaRPr lang="ko-KR" altLang="en-US"/>
           </a:p>
         </p:txBody>
       </p:sp>
@@ -1984,38 +1972,37 @@
           <a:p>
             <a:pPr lvl="0"/>
             <a:r>
-              <a:rPr lang="ko-KR" altLang="en-US" smtClean="0"/>
+              <a:rPr lang="ko-KR" altLang="en-US"/>
               <a:t>마스터 텍스트 스타일 편집</a:t>
             </a:r>
           </a:p>
           <a:p>
             <a:pPr lvl="1"/>
             <a:r>
-              <a:rPr lang="ko-KR" altLang="en-US" smtClean="0"/>
+              <a:rPr lang="ko-KR" altLang="en-US"/>
               <a:t>둘째 수준</a:t>
             </a:r>
           </a:p>
           <a:p>
             <a:pPr lvl="2"/>
             <a:r>
-              <a:rPr lang="ko-KR" altLang="en-US" smtClean="0"/>
+              <a:rPr lang="ko-KR" altLang="en-US"/>
               <a:t>셋째 수준</a:t>
             </a:r>
           </a:p>
           <a:p>
             <a:pPr lvl="3"/>
             <a:r>
-              <a:rPr lang="ko-KR" altLang="en-US" smtClean="0"/>
+              <a:rPr lang="ko-KR" altLang="en-US"/>
               <a:t>넷째 수준</a:t>
             </a:r>
           </a:p>
           <a:p>
             <a:pPr lvl="4"/>
             <a:r>
-              <a:rPr lang="ko-KR" altLang="en-US" smtClean="0"/>
+              <a:rPr lang="ko-KR" altLang="en-US"/>
               <a:t>다섯째 수준</a:t>
             </a:r>
-            <a:endParaRPr lang="ko-KR" altLang="en-US"/>
           </a:p>
         </p:txBody>
       </p:sp>
@@ -2078,7 +2065,7 @@
           <a:p>
             <a:pPr lvl="0"/>
             <a:r>
-              <a:rPr lang="ko-KR" altLang="en-US" smtClean="0"/>
+              <a:rPr lang="ko-KR" altLang="en-US"/>
               <a:t>마스터 텍스트 스타일 편집</a:t>
             </a:r>
           </a:p>
@@ -2101,7 +2088,7 @@
           <a:p>
             <a:fld id="{AE0CDEBD-5B3E-40CE-9801-6F7DCF1244F3}" type="datetimeFigureOut">
               <a:rPr lang="ko-KR" altLang="en-US" smtClean="0"/>
-              <a:t>2017-07-17</a:t>
+              <a:t>2017-08-08</a:t>
             </a:fld>
             <a:endParaRPr lang="ko-KR" altLang="en-US"/>
           </a:p>
@@ -2204,10 +2191,9 @@
           </a:lstStyle>
           <a:p>
             <a:r>
-              <a:rPr lang="ko-KR" altLang="en-US" smtClean="0"/>
+              <a:rPr lang="ko-KR" altLang="en-US"/>
               <a:t>마스터 제목 스타일 편집</a:t>
             </a:r>
-            <a:endParaRPr lang="ko-KR" altLang="en-US"/>
           </a:p>
         </p:txBody>
       </p:sp>
@@ -2331,7 +2317,7 @@
           <a:p>
             <a:pPr lvl="0"/>
             <a:r>
-              <a:rPr lang="ko-KR" altLang="en-US" smtClean="0"/>
+              <a:rPr lang="ko-KR" altLang="en-US"/>
               <a:t>마스터 텍스트 스타일 편집</a:t>
             </a:r>
           </a:p>
@@ -2354,7 +2340,7 @@
           <a:p>
             <a:fld id="{AE0CDEBD-5B3E-40CE-9801-6F7DCF1244F3}" type="datetimeFigureOut">
               <a:rPr lang="ko-KR" altLang="en-US" smtClean="0"/>
-              <a:t>2017-07-17</a:t>
+              <a:t>2017-08-08</a:t>
             </a:fld>
             <a:endParaRPr lang="ko-KR" altLang="en-US"/>
           </a:p>
@@ -2463,10 +2449,9 @@
           <a:lstStyle/>
           <a:p>
             <a:r>
-              <a:rPr lang="ko-KR" altLang="en-US" smtClean="0"/>
+              <a:rPr lang="ko-KR" altLang="en-US"/>
               <a:t>마스터 제목 스타일 편집</a:t>
             </a:r>
-            <a:endParaRPr lang="ko-KR" altLang="en-US"/>
           </a:p>
         </p:txBody>
       </p:sp>
@@ -2497,38 +2482,37 @@
           <a:p>
             <a:pPr lvl="0"/>
             <a:r>
-              <a:rPr lang="ko-KR" altLang="en-US" smtClean="0"/>
+              <a:rPr lang="ko-KR" altLang="en-US"/>
               <a:t>마스터 텍스트 스타일 편집</a:t>
             </a:r>
           </a:p>
           <a:p>
             <a:pPr lvl="1"/>
             <a:r>
-              <a:rPr lang="ko-KR" altLang="en-US" smtClean="0"/>
+              <a:rPr lang="ko-KR" altLang="en-US"/>
               <a:t>둘째 수준</a:t>
             </a:r>
           </a:p>
           <a:p>
             <a:pPr lvl="2"/>
             <a:r>
-              <a:rPr lang="ko-KR" altLang="en-US" smtClean="0"/>
+              <a:rPr lang="ko-KR" altLang="en-US"/>
               <a:t>셋째 수준</a:t>
             </a:r>
           </a:p>
           <a:p>
             <a:pPr lvl="3"/>
             <a:r>
-              <a:rPr lang="ko-KR" altLang="en-US" smtClean="0"/>
+              <a:rPr lang="ko-KR" altLang="en-US"/>
               <a:t>넷째 수준</a:t>
             </a:r>
           </a:p>
           <a:p>
             <a:pPr lvl="4"/>
             <a:r>
-              <a:rPr lang="ko-KR" altLang="en-US" smtClean="0"/>
+              <a:rPr lang="ko-KR" altLang="en-US"/>
               <a:t>다섯째 수준</a:t>
             </a:r>
-            <a:endParaRPr lang="ko-KR" altLang="en-US"/>
           </a:p>
         </p:txBody>
       </p:sp>
@@ -2567,7 +2551,7 @@
           <a:p>
             <a:fld id="{AE0CDEBD-5B3E-40CE-9801-6F7DCF1244F3}" type="datetimeFigureOut">
               <a:rPr lang="ko-KR" altLang="en-US" smtClean="0"/>
-              <a:t>2017-07-17</a:t>
+              <a:t>2017-08-08</a:t>
             </a:fld>
             <a:endParaRPr lang="ko-KR" altLang="en-US"/>
           </a:p>
@@ -2980,8 +2964,8 @@
         </p:nvSpPr>
         <p:spPr>
           <a:xfrm>
-            <a:off x="2280621" y="1463040"/>
-            <a:ext cx="1569660" cy="1477328"/>
+            <a:off x="1988013" y="1068569"/>
+            <a:ext cx="1569660" cy="2123658"/>
           </a:xfrm>
           <a:prstGeom prst="rect">
             <a:avLst/>
@@ -2995,34 +2979,83 @@
           <a:lstStyle/>
           <a:p>
             <a:r>
-              <a:rPr lang="ko-KR" altLang="en-US" dirty="0" err="1" smtClean="0"/>
+              <a:rPr lang="en-US" altLang="ko-KR" sz="2400" dirty="0">
+                <a:latin typeface="+mj-ea"/>
+                <a:ea typeface="+mj-ea"/>
+              </a:rPr>
+              <a:t>INDEX</a:t>
+            </a:r>
+          </a:p>
+          <a:p>
+            <a:r>
+              <a:rPr lang="ko-KR" altLang="en-US" dirty="0" err="1">
+                <a:latin typeface="+mj-ea"/>
+                <a:ea typeface="+mj-ea"/>
+              </a:rPr>
+              <a:t>인르로</a:t>
+            </a:r>
+            <a:endParaRPr lang="en-US" altLang="ko-KR" dirty="0">
+              <a:latin typeface="+mj-ea"/>
+              <a:ea typeface="+mj-ea"/>
+            </a:endParaRPr>
+          </a:p>
+          <a:p>
+            <a:r>
+              <a:rPr lang="ko-KR" altLang="en-US" dirty="0" err="1">
+                <a:latin typeface="+mj-ea"/>
+                <a:ea typeface="+mj-ea"/>
+              </a:rPr>
               <a:t>재료사는장면</a:t>
             </a:r>
-            <a:endParaRPr lang="en-US" altLang="ko-KR" dirty="0" smtClean="0"/>
-          </a:p>
-          <a:p>
-            <a:r>
-              <a:rPr lang="ko-KR" altLang="en-US" dirty="0" smtClean="0"/>
+            <a:endParaRPr lang="en-US" altLang="ko-KR" dirty="0">
+              <a:latin typeface="+mj-ea"/>
+              <a:ea typeface="+mj-ea"/>
+            </a:endParaRPr>
+          </a:p>
+          <a:p>
+            <a:r>
+              <a:rPr lang="ko-KR" altLang="en-US" dirty="0">
+                <a:latin typeface="+mj-ea"/>
+                <a:ea typeface="+mj-ea"/>
+              </a:rPr>
               <a:t>요리</a:t>
             </a:r>
-            <a:endParaRPr lang="en-US" altLang="ko-KR" dirty="0" smtClean="0"/>
-          </a:p>
-          <a:p>
-            <a:r>
-              <a:rPr lang="ko-KR" altLang="en-US" dirty="0" smtClean="0"/>
+            <a:endParaRPr lang="en-US" altLang="ko-KR" dirty="0">
+              <a:latin typeface="+mj-ea"/>
+              <a:ea typeface="+mj-ea"/>
+            </a:endParaRPr>
+          </a:p>
+          <a:p>
+            <a:r>
+              <a:rPr lang="ko-KR" altLang="en-US" dirty="0">
+                <a:latin typeface="+mj-ea"/>
+                <a:ea typeface="+mj-ea"/>
+              </a:rPr>
               <a:t>시식</a:t>
             </a:r>
-            <a:endParaRPr lang="en-US" altLang="ko-KR" dirty="0" smtClean="0"/>
-          </a:p>
-          <a:p>
-            <a:r>
-              <a:rPr lang="ko-KR" altLang="en-US" dirty="0" err="1" smtClean="0"/>
+            <a:endParaRPr lang="en-US" altLang="ko-KR" dirty="0">
+              <a:latin typeface="+mj-ea"/>
+              <a:ea typeface="+mj-ea"/>
+            </a:endParaRPr>
+          </a:p>
+          <a:p>
+            <a:r>
+              <a:rPr lang="ko-KR" altLang="en-US" dirty="0" err="1">
+                <a:latin typeface="+mj-ea"/>
+                <a:ea typeface="+mj-ea"/>
+              </a:rPr>
               <a:t>비하인드</a:t>
             </a:r>
-            <a:endParaRPr lang="en-US" altLang="ko-KR" dirty="0" smtClean="0"/>
-          </a:p>
-          <a:p>
-            <a:endParaRPr lang="ko-KR" altLang="en-US" dirty="0"/>
+            <a:endParaRPr lang="en-US" altLang="ko-KR" dirty="0">
+              <a:latin typeface="+mj-ea"/>
+              <a:ea typeface="+mj-ea"/>
+            </a:endParaRPr>
+          </a:p>
+          <a:p>
+            <a:endParaRPr lang="ko-KR" altLang="en-US" dirty="0">
+              <a:latin typeface="+mj-ea"/>
+              <a:ea typeface="+mj-ea"/>
+            </a:endParaRPr>
           </a:p>
         </p:txBody>
       </p:sp>
@@ -3030,12 +3063,18 @@
         <p:nvSpPr>
           <p:cNvPr id="6" name="TextBox 5"/>
           <p:cNvSpPr txBox="1"/>
-          <p:nvPr/>
+          <p:nvPr>
+            <p:extLst>
+              <p:ext uri="{D42A27DB-BD31-4B8C-83A1-F6EECF244321}">
+                <p14:modId xmlns:p14="http://schemas.microsoft.com/office/powerpoint/2010/main" val="1970146115"/>
+              </p:ext>
+            </p:extLst>
+          </p:nvPr>
         </p:nvSpPr>
         <p:spPr>
           <a:xfrm>
-            <a:off x="4518212" y="1656678"/>
-            <a:ext cx="877163" cy="646331"/>
+            <a:off x="7703334" y="422238"/>
+            <a:ext cx="3909660" cy="738664"/>
           </a:xfrm>
           <a:prstGeom prst="rect">
             <a:avLst/>
@@ -3043,19 +3082,655 @@
           <a:noFill/>
         </p:spPr>
         <p:txBody>
+          <a:bodyPr wrap="none" rtlCol="0" anchor="t">
+            <a:spAutoFit/>
+          </a:bodyPr>
+          <a:lstStyle/>
+          <a:p>
+            <a:r>
+              <a:rPr lang="ko-KR" altLang="en-US" sz="2400" dirty="0" err="1">
+                <a:latin typeface="+mj-ea"/>
+                <a:ea typeface="+mj-ea"/>
+              </a:rPr>
+              <a:t>인트로</a:t>
+            </a:r>
+            <a:endParaRPr lang="en-US" altLang="ko-KR" sz="2400" dirty="0">
+              <a:latin typeface="+mj-ea"/>
+              <a:ea typeface="+mj-ea"/>
+            </a:endParaRPr>
+          </a:p>
+          <a:p>
+            <a:r>
+              <a:rPr lang="ko-KR" altLang="en-US" dirty="0">
+                <a:latin typeface="+mj-ea"/>
+                <a:ea typeface="+mj-ea"/>
+              </a:rPr>
+              <a:t>Unstoppable 박자에 맞춰 끊기면서 </a:t>
+            </a:r>
+            <a:endParaRPr lang="ko-KR" altLang="en-US" dirty="0">
+              <a:latin typeface="맑은 고딕"/>
+              <a:ea typeface="맑은 고딕"/>
+            </a:endParaRPr>
+          </a:p>
+        </p:txBody>
+      </p:sp>
+      <p:sp>
+        <p:nvSpPr>
+          <p:cNvPr id="3" name="TextBox 2"/>
+          <p:cNvSpPr txBox="1"/>
+          <p:nvPr/>
+        </p:nvSpPr>
+        <p:spPr>
+          <a:xfrm>
+            <a:off x="7772400" y="3533387"/>
+            <a:ext cx="2164375" cy="3323987"/>
+          </a:xfrm>
+          <a:prstGeom prst="rect">
+            <a:avLst/>
+          </a:prstGeom>
+          <a:noFill/>
+        </p:spPr>
+        <p:txBody>
           <a:bodyPr wrap="none" rtlCol="0">
             <a:spAutoFit/>
           </a:bodyPr>
           <a:lstStyle/>
           <a:p>
             <a:r>
-              <a:rPr lang="ko-KR" altLang="en-US" dirty="0" err="1" smtClean="0"/>
+              <a:rPr lang="ko-KR" altLang="en-US" sz="2400" dirty="0">
+                <a:latin typeface="+mj-ea"/>
+                <a:ea typeface="+mj-ea"/>
+              </a:rPr>
+              <a:t>재료</a:t>
+            </a:r>
+            <a:endParaRPr lang="en-US" altLang="ko-KR" sz="2400" dirty="0">
+              <a:latin typeface="+mj-ea"/>
+              <a:ea typeface="+mj-ea"/>
+            </a:endParaRPr>
+          </a:p>
+          <a:p>
+            <a:r>
+              <a:rPr lang="ko-KR" altLang="en-US" dirty="0">
+                <a:latin typeface="+mj-ea"/>
+                <a:ea typeface="+mj-ea"/>
+              </a:rPr>
+              <a:t>밀가루</a:t>
+            </a:r>
+            <a:r>
+              <a:rPr lang="en-US" altLang="ko-KR" dirty="0">
+                <a:latin typeface="+mj-ea"/>
+                <a:ea typeface="+mj-ea"/>
+              </a:rPr>
+              <a:t>, </a:t>
+            </a:r>
+            <a:r>
+              <a:rPr lang="ko-KR" altLang="en-US" dirty="0">
+                <a:latin typeface="+mj-ea"/>
+                <a:ea typeface="+mj-ea"/>
+              </a:rPr>
+              <a:t>삼겹살</a:t>
+            </a:r>
+            <a:r>
+              <a:rPr lang="en-US" altLang="ko-KR" dirty="0">
+                <a:latin typeface="+mj-ea"/>
+                <a:ea typeface="+mj-ea"/>
+              </a:rPr>
+              <a:t>, </a:t>
+            </a:r>
+            <a:r>
+              <a:rPr lang="ko-KR" altLang="en-US" dirty="0">
+                <a:latin typeface="+mj-ea"/>
+                <a:ea typeface="+mj-ea"/>
+              </a:rPr>
+              <a:t>물</a:t>
+            </a:r>
+            <a:r>
+              <a:rPr lang="en-US" altLang="ko-KR" dirty="0">
+                <a:latin typeface="+mj-ea"/>
+                <a:ea typeface="+mj-ea"/>
+              </a:rPr>
+              <a:t>,</a:t>
+            </a:r>
+          </a:p>
+          <a:p>
+            <a:r>
+              <a:rPr lang="ko-KR" altLang="en-US" dirty="0">
+                <a:latin typeface="+mj-ea"/>
+                <a:ea typeface="+mj-ea"/>
+              </a:rPr>
+              <a:t>양배추</a:t>
+            </a:r>
+            <a:r>
+              <a:rPr lang="en-US" altLang="ko-KR" dirty="0">
+                <a:latin typeface="+mj-ea"/>
+                <a:ea typeface="+mj-ea"/>
+              </a:rPr>
+              <a:t>, </a:t>
+            </a:r>
+            <a:r>
+              <a:rPr lang="ko-KR" altLang="en-US" dirty="0">
+                <a:latin typeface="+mj-ea"/>
+                <a:ea typeface="+mj-ea"/>
+              </a:rPr>
+              <a:t>마요네즈</a:t>
+            </a:r>
+            <a:r>
+              <a:rPr lang="en-US" altLang="ko-KR" dirty="0">
+                <a:latin typeface="+mj-ea"/>
+                <a:ea typeface="+mj-ea"/>
+              </a:rPr>
+              <a:t>,</a:t>
+            </a:r>
+          </a:p>
+          <a:p>
+            <a:r>
+              <a:rPr lang="ko-KR" altLang="en-US" dirty="0" err="1">
+                <a:latin typeface="+mj-ea"/>
+                <a:ea typeface="+mj-ea"/>
+              </a:rPr>
+              <a:t>오코노미야끼</a:t>
+            </a:r>
+            <a:r>
+              <a:rPr lang="ko-KR" altLang="en-US" dirty="0">
+                <a:latin typeface="+mj-ea"/>
+                <a:ea typeface="+mj-ea"/>
+              </a:rPr>
+              <a:t> 소스</a:t>
+            </a:r>
+            <a:r>
+              <a:rPr lang="en-US" altLang="ko-KR" dirty="0">
+                <a:latin typeface="+mj-ea"/>
+                <a:ea typeface="+mj-ea"/>
+              </a:rPr>
+              <a:t>,</a:t>
+            </a:r>
+          </a:p>
+          <a:p>
+            <a:r>
+              <a:rPr lang="ko-KR" altLang="en-US" dirty="0">
+                <a:latin typeface="+mj-ea"/>
+                <a:ea typeface="+mj-ea"/>
+              </a:rPr>
+              <a:t>계란</a:t>
+            </a:r>
+            <a:r>
+              <a:rPr lang="en-US" altLang="ko-KR" dirty="0">
+                <a:latin typeface="+mj-ea"/>
+                <a:ea typeface="+mj-ea"/>
+              </a:rPr>
+              <a:t>, </a:t>
+            </a:r>
+            <a:r>
+              <a:rPr lang="ko-KR" altLang="en-US" dirty="0" err="1">
+                <a:latin typeface="+mj-ea"/>
+                <a:ea typeface="+mj-ea"/>
+              </a:rPr>
+              <a:t>가쓰오부시</a:t>
+            </a:r>
+            <a:endParaRPr lang="en-US" altLang="ko-KR" dirty="0">
+              <a:latin typeface="+mj-ea"/>
+              <a:ea typeface="+mj-ea"/>
+            </a:endParaRPr>
+          </a:p>
+          <a:p>
+            <a:endParaRPr lang="en-US" altLang="ko-KR" dirty="0">
+              <a:latin typeface="+mj-ea"/>
+              <a:ea typeface="+mj-ea"/>
+            </a:endParaRPr>
+          </a:p>
+          <a:p>
+            <a:r>
+              <a:rPr lang="ko-KR" altLang="en-US" sz="2400" dirty="0">
+                <a:latin typeface="+mj-ea"/>
+                <a:ea typeface="+mj-ea"/>
+              </a:rPr>
+              <a:t>조리도구</a:t>
+            </a:r>
+            <a:endParaRPr lang="en-US" altLang="ko-KR" sz="2400" dirty="0">
+              <a:latin typeface="+mj-ea"/>
+              <a:ea typeface="+mj-ea"/>
+            </a:endParaRPr>
+          </a:p>
+          <a:p>
+            <a:r>
+              <a:rPr lang="ko-KR" altLang="en-US" dirty="0">
+                <a:latin typeface="+mj-ea"/>
+                <a:ea typeface="+mj-ea"/>
+              </a:rPr>
+              <a:t>불</a:t>
+            </a:r>
+            <a:r>
+              <a:rPr lang="en-US" altLang="ko-KR" dirty="0">
+                <a:latin typeface="+mj-ea"/>
+                <a:ea typeface="+mj-ea"/>
+              </a:rPr>
+              <a:t>, </a:t>
+            </a:r>
+            <a:r>
+              <a:rPr lang="ko-KR" altLang="en-US" dirty="0" err="1">
+                <a:latin typeface="+mj-ea"/>
+                <a:ea typeface="+mj-ea"/>
+              </a:rPr>
+              <a:t>불판</a:t>
+            </a:r>
+            <a:endParaRPr lang="en-US" altLang="ko-KR" dirty="0">
+              <a:latin typeface="+mj-ea"/>
+              <a:ea typeface="+mj-ea"/>
+            </a:endParaRPr>
+          </a:p>
+          <a:p>
+            <a:r>
+              <a:rPr lang="ko-KR" altLang="en-US" dirty="0">
+                <a:latin typeface="+mj-ea"/>
+                <a:ea typeface="+mj-ea"/>
+              </a:rPr>
+              <a:t>접시</a:t>
+            </a:r>
+            <a:endParaRPr lang="en-US" altLang="ko-KR" dirty="0">
+              <a:latin typeface="+mj-ea"/>
+              <a:ea typeface="+mj-ea"/>
+            </a:endParaRPr>
+          </a:p>
+          <a:p>
+            <a:r>
+              <a:rPr lang="ko-KR" altLang="en-US" dirty="0">
+                <a:latin typeface="+mj-ea"/>
+                <a:ea typeface="+mj-ea"/>
+              </a:rPr>
+              <a:t>뒤집개</a:t>
+            </a:r>
+            <a:r>
+              <a:rPr lang="en-US" altLang="ko-KR" dirty="0">
+                <a:latin typeface="+mj-ea"/>
+                <a:ea typeface="+mj-ea"/>
+              </a:rPr>
+              <a:t>(select)</a:t>
+            </a:r>
+          </a:p>
+          <a:p>
+            <a:r>
+              <a:rPr lang="ko-KR" altLang="en-US" dirty="0">
+                <a:latin typeface="+mj-ea"/>
+                <a:ea typeface="+mj-ea"/>
+              </a:rPr>
+              <a:t>수저</a:t>
+            </a:r>
+            <a:endParaRPr lang="en-US" altLang="ko-KR" dirty="0">
+              <a:latin typeface="+mj-ea"/>
+              <a:ea typeface="+mj-ea"/>
+            </a:endParaRPr>
+          </a:p>
+        </p:txBody>
+      </p:sp>
+      <p:sp>
+        <p:nvSpPr>
+          <p:cNvPr id="5" name="TextBox 4"/>
+          <p:cNvSpPr txBox="1"/>
+          <p:nvPr/>
+        </p:nvSpPr>
+        <p:spPr>
+          <a:xfrm>
+            <a:off x="0" y="3533387"/>
+            <a:ext cx="3353803" cy="1354217"/>
+          </a:xfrm>
+          <a:prstGeom prst="rect">
+            <a:avLst/>
+          </a:prstGeom>
+          <a:noFill/>
+        </p:spPr>
+        <p:txBody>
+          <a:bodyPr wrap="none" rtlCol="0">
+            <a:spAutoFit/>
+          </a:bodyPr>
+          <a:lstStyle/>
+          <a:p>
+            <a:r>
+              <a:rPr lang="ko-KR" altLang="en-US" sz="2800" dirty="0">
+                <a:latin typeface="+mj-ea"/>
+                <a:ea typeface="+mj-ea"/>
+              </a:rPr>
+              <a:t>필수구성요소</a:t>
+            </a:r>
+            <a:endParaRPr lang="en-US" altLang="ko-KR" sz="2800" dirty="0">
+              <a:latin typeface="+mj-ea"/>
+              <a:ea typeface="+mj-ea"/>
+            </a:endParaRPr>
+          </a:p>
+          <a:p>
+            <a:r>
+              <a:rPr lang="ko-KR" altLang="en-US" dirty="0">
+                <a:latin typeface="+mj-ea"/>
+                <a:ea typeface="+mj-ea"/>
+              </a:rPr>
+              <a:t>제목</a:t>
+            </a:r>
+            <a:r>
+              <a:rPr lang="en-US" altLang="ko-KR" dirty="0">
+                <a:latin typeface="+mj-ea"/>
+                <a:ea typeface="+mj-ea"/>
+              </a:rPr>
+              <a:t>, </a:t>
+            </a:r>
+            <a:r>
+              <a:rPr lang="ko-KR" altLang="en-US" dirty="0">
+                <a:latin typeface="+mj-ea"/>
+                <a:ea typeface="+mj-ea"/>
+              </a:rPr>
+              <a:t>재료 및 만드는 과정</a:t>
+            </a:r>
+            <a:r>
+              <a:rPr lang="en-US" altLang="ko-KR" dirty="0">
+                <a:latin typeface="+mj-ea"/>
+                <a:ea typeface="+mj-ea"/>
+              </a:rPr>
+              <a:t>,</a:t>
+            </a:r>
+          </a:p>
+          <a:p>
+            <a:r>
+              <a:rPr lang="ko-KR" altLang="en-US" dirty="0">
+                <a:latin typeface="+mj-ea"/>
+                <a:ea typeface="+mj-ea"/>
+              </a:rPr>
+              <a:t>결과물</a:t>
+            </a:r>
+            <a:r>
+              <a:rPr lang="en-US" altLang="ko-KR" dirty="0">
+                <a:latin typeface="+mj-ea"/>
+                <a:ea typeface="+mj-ea"/>
+              </a:rPr>
+              <a:t>, </a:t>
+            </a:r>
+            <a:r>
+              <a:rPr lang="ko-KR" altLang="en-US" dirty="0">
+                <a:latin typeface="+mj-ea"/>
+                <a:ea typeface="+mj-ea"/>
+              </a:rPr>
+              <a:t>일본어 구사</a:t>
+            </a:r>
+            <a:r>
+              <a:rPr lang="en-US" altLang="ko-KR" dirty="0">
+                <a:latin typeface="+mj-ea"/>
+                <a:ea typeface="+mj-ea"/>
+              </a:rPr>
+              <a:t>, </a:t>
+            </a:r>
+            <a:r>
+              <a:rPr lang="ko-KR" altLang="en-US" dirty="0">
+                <a:latin typeface="+mj-ea"/>
+                <a:ea typeface="+mj-ea"/>
+              </a:rPr>
+              <a:t>등장인물</a:t>
+            </a:r>
+            <a:r>
+              <a:rPr lang="en-US" altLang="ko-KR" dirty="0">
+                <a:latin typeface="+mj-ea"/>
+                <a:ea typeface="+mj-ea"/>
+              </a:rPr>
+              <a:t>,</a:t>
+            </a:r>
+          </a:p>
+          <a:p>
+            <a:r>
+              <a:rPr lang="ko-KR" altLang="en-US" dirty="0">
+                <a:latin typeface="+mj-ea"/>
+                <a:ea typeface="+mj-ea"/>
+              </a:rPr>
+              <a:t>마지막 전체 인증샷</a:t>
+            </a:r>
+          </a:p>
+        </p:txBody>
+      </p:sp>
+      <p:sp>
+        <p:nvSpPr>
+          <p:cNvPr id="7" name="TextBox 6"/>
+          <p:cNvSpPr txBox="1"/>
+          <p:nvPr/>
+        </p:nvSpPr>
+        <p:spPr>
+          <a:xfrm>
+            <a:off x="10003150" y="3533388"/>
+            <a:ext cx="2064989" cy="3231654"/>
+          </a:xfrm>
+          <a:prstGeom prst="rect">
+            <a:avLst/>
+          </a:prstGeom>
+          <a:noFill/>
+        </p:spPr>
+        <p:txBody>
+          <a:bodyPr wrap="none" rtlCol="0">
+            <a:spAutoFit/>
+          </a:bodyPr>
+          <a:lstStyle/>
+          <a:p>
+            <a:r>
+              <a:rPr lang="ko-KR" altLang="en-US" sz="2400" dirty="0">
+                <a:latin typeface="+mj-ea"/>
+                <a:ea typeface="+mj-ea"/>
+              </a:rPr>
+              <a:t>동영상 속성</a:t>
+            </a:r>
+            <a:endParaRPr lang="en-US" altLang="ko-KR" sz="2400" dirty="0">
+              <a:latin typeface="+mj-ea"/>
+              <a:ea typeface="+mj-ea"/>
+            </a:endParaRPr>
+          </a:p>
+          <a:p>
+            <a:r>
+              <a:rPr lang="en-US" altLang="ko-KR" dirty="0">
+                <a:latin typeface="+mj-ea"/>
+                <a:ea typeface="+mj-ea"/>
+              </a:rPr>
+              <a:t>3-5</a:t>
+            </a:r>
+            <a:r>
+              <a:rPr lang="ko-KR" altLang="en-US" dirty="0">
+                <a:latin typeface="+mj-ea"/>
+                <a:ea typeface="+mj-ea"/>
+              </a:rPr>
+              <a:t>분</a:t>
+            </a:r>
+            <a:endParaRPr lang="en-US" altLang="ko-KR" dirty="0">
+              <a:latin typeface="+mj-ea"/>
+              <a:ea typeface="+mj-ea"/>
+            </a:endParaRPr>
+          </a:p>
+          <a:p>
+            <a:r>
+              <a:rPr lang="en-US" altLang="ko-KR" dirty="0">
+                <a:latin typeface="+mj-ea"/>
+                <a:ea typeface="+mj-ea"/>
+              </a:rPr>
+              <a:t>FHD</a:t>
+            </a:r>
+          </a:p>
+          <a:p>
+            <a:r>
+              <a:rPr lang="en-US" altLang="ko-KR" dirty="0">
+                <a:latin typeface="+mj-ea"/>
+                <a:ea typeface="+mj-ea"/>
+              </a:rPr>
+              <a:t>30fps~</a:t>
+            </a:r>
+            <a:r>
+              <a:rPr lang="ko-KR" altLang="en-US" dirty="0" err="1">
+                <a:latin typeface="+mj-ea"/>
+                <a:ea typeface="+mj-ea"/>
+              </a:rPr>
+              <a:t>드롭프레임</a:t>
+            </a:r>
+            <a:endParaRPr lang="en-US" altLang="ko-KR" dirty="0">
+              <a:latin typeface="+mj-ea"/>
+              <a:ea typeface="+mj-ea"/>
+            </a:endParaRPr>
+          </a:p>
+          <a:p>
+            <a:r>
+              <a:rPr lang="ko-KR" altLang="en-US" dirty="0" err="1">
+                <a:latin typeface="+mj-ea"/>
+                <a:ea typeface="+mj-ea"/>
+              </a:rPr>
+              <a:t>촬영장비</a:t>
+            </a:r>
+            <a:endParaRPr lang="en-US" altLang="ko-KR" dirty="0">
+              <a:latin typeface="+mj-ea"/>
+              <a:ea typeface="+mj-ea"/>
+            </a:endParaRPr>
+          </a:p>
+          <a:p>
+            <a:r>
+              <a:rPr lang="en-US" altLang="ko-KR" dirty="0">
+                <a:latin typeface="+mj-ea"/>
+                <a:ea typeface="+mj-ea"/>
+              </a:rPr>
+              <a:t>S7,S7 edge</a:t>
+            </a:r>
+          </a:p>
+          <a:p>
+            <a:r>
+              <a:rPr lang="en-US" altLang="ko-KR" dirty="0">
+                <a:latin typeface="+mj-ea"/>
+                <a:ea typeface="+mj-ea"/>
+              </a:rPr>
+              <a:t>D3300</a:t>
+            </a:r>
+          </a:p>
+          <a:p>
+            <a:r>
+              <a:rPr lang="en-US" altLang="ko-KR" dirty="0">
+                <a:latin typeface="+mj-ea"/>
+                <a:ea typeface="+mj-ea"/>
+              </a:rPr>
+              <a:t>Stabilizer</a:t>
+            </a:r>
+          </a:p>
+          <a:p>
+            <a:r>
+              <a:rPr lang="en-US" altLang="ko-KR" dirty="0">
+                <a:latin typeface="+mj-ea"/>
+                <a:ea typeface="+mj-ea"/>
+              </a:rPr>
+              <a:t>Secret note</a:t>
+            </a:r>
+          </a:p>
+          <a:p>
+            <a:r>
+              <a:rPr lang="en-US" altLang="ko-KR" dirty="0">
+                <a:latin typeface="+mj-ea"/>
+                <a:ea typeface="+mj-ea"/>
+              </a:rPr>
+              <a:t>tripod</a:t>
+            </a:r>
+          </a:p>
+          <a:p>
+            <a:r>
+              <a:rPr lang="en-US" altLang="ko-KR" dirty="0">
+                <a:latin typeface="+mj-ea"/>
+                <a:ea typeface="+mj-ea"/>
+              </a:rPr>
+              <a:t>ETC</a:t>
+            </a:r>
+          </a:p>
+        </p:txBody>
+      </p:sp>
+      <p:sp>
+        <p:nvSpPr>
+          <p:cNvPr id="2" name="TextBox 1"/>
+          <p:cNvSpPr txBox="1"/>
+          <p:nvPr/>
+        </p:nvSpPr>
+        <p:spPr>
+          <a:xfrm>
+            <a:off x="3557673" y="1068569"/>
+            <a:ext cx="4272323" cy="2123658"/>
+          </a:xfrm>
+          <a:prstGeom prst="rect">
+            <a:avLst/>
+          </a:prstGeom>
+          <a:noFill/>
+        </p:spPr>
+        <p:txBody>
+          <a:bodyPr wrap="none" rtlCol="0">
+            <a:spAutoFit/>
+          </a:bodyPr>
+          <a:lstStyle/>
+          <a:p>
+            <a:r>
+              <a:rPr lang="ko-KR" altLang="en-US" sz="2400" dirty="0" err="1"/>
+              <a:t>연출요소</a:t>
+            </a:r>
+            <a:endParaRPr lang="en-US" altLang="ko-KR" dirty="0" err="1"/>
+          </a:p>
+          <a:p>
+            <a:r>
+              <a:rPr lang="ko-KR" altLang="en-US" dirty="0" err="1"/>
               <a:t>인트로</a:t>
             </a:r>
-            <a:endParaRPr lang="en-US" altLang="ko-KR" dirty="0" smtClean="0"/>
-          </a:p>
-          <a:p>
+            <a:r>
+              <a:rPr lang="ko-KR" altLang="en-US" dirty="0"/>
+              <a:t> 멋있게</a:t>
+            </a:r>
+          </a:p>
+          <a:p>
+            <a:r>
+              <a:rPr lang="ko-KR" altLang="en-US" dirty="0" err="1"/>
+              <a:t>좋은아침이에요</a:t>
+            </a:r>
+            <a:r>
+              <a:rPr lang="en-US" altLang="ko-KR" dirty="0"/>
+              <a:t>(</a:t>
+            </a:r>
+            <a:r>
+              <a:rPr lang="ko-KR" altLang="en-US" dirty="0" err="1"/>
+              <a:t>분위기반전</a:t>
+            </a:r>
             <a:endParaRPr lang="ko-KR" altLang="en-US" dirty="0"/>
+          </a:p>
+          <a:p>
+            <a:r>
+              <a:rPr lang="ko-KR" altLang="en-US" dirty="0"/>
+              <a:t>편집</a:t>
+            </a:r>
+          </a:p>
+          <a:p>
+            <a:r>
+              <a:rPr lang="ko-KR" altLang="en-US" dirty="0" err="1"/>
+              <a:t>손비벼서</a:t>
+            </a:r>
+            <a:r>
+              <a:rPr lang="ko-KR" altLang="en-US" dirty="0"/>
+              <a:t> </a:t>
+            </a:r>
+            <a:r>
+              <a:rPr lang="ko-KR" altLang="en-US" dirty="0" err="1"/>
+              <a:t>가스불켜기</a:t>
+            </a:r>
+            <a:endParaRPr lang="ko-KR" altLang="en-US" dirty="0"/>
+          </a:p>
+          <a:p>
+            <a:r>
+              <a:rPr lang="ko-KR" altLang="en-US" dirty="0"/>
+              <a:t>전자렌지에 </a:t>
+            </a:r>
+            <a:r>
+              <a:rPr lang="ko-KR" altLang="en-US" dirty="0" err="1"/>
+              <a:t>이상한거넣어서</a:t>
+            </a:r>
+            <a:r>
+              <a:rPr lang="ko-KR" altLang="en-US" dirty="0"/>
+              <a:t> </a:t>
+            </a:r>
+            <a:r>
+              <a:rPr lang="ko-KR" altLang="en-US" dirty="0" err="1"/>
+              <a:t>물건나오기</a:t>
+            </a:r>
+            <a:endParaRPr lang="ko-KR" altLang="en-US" dirty="0"/>
+          </a:p>
+          <a:p>
+            <a:r>
+              <a:rPr lang="ko-KR" altLang="en-US" dirty="0"/>
+              <a:t>시나리오처럼 안되는듯 연출</a:t>
+            </a:r>
           </a:p>
         </p:txBody>
       </p:sp>
@@ -3089,6 +3764,79 @@
           <a:chExt cx="0" cy="0"/>
         </a:xfrm>
       </p:grpSpPr>
+      <p:sp>
+        <p:nvSpPr>
+          <p:cNvPr id="2" name="TextBox 1"/>
+          <p:cNvSpPr txBox="1"/>
+          <p:nvPr>
+            <p:extLst>
+              <p:ext uri="{D42A27DB-BD31-4B8C-83A1-F6EECF244321}">
+                <p14:modId xmlns:p14="http://schemas.microsoft.com/office/powerpoint/2010/main" val="4058184966"/>
+              </p:ext>
+            </p:extLst>
+          </p:nvPr>
+        </p:nvSpPr>
+        <p:spPr>
+          <a:xfrm>
+            <a:off x="1508125" y="1162050"/>
+            <a:ext cx="5202545" cy="1754188"/>
+          </a:xfrm>
+          <a:prstGeom prst="rect">
+            <a:avLst/>
+          </a:prstGeom>
+          <a:noFill/>
+        </p:spPr>
+        <p:txBody>
+          <a:bodyPr wrap="square" rtlCol="0" anchor="t">
+            <a:spAutoFit/>
+          </a:bodyPr>
+          <a:lstStyle/>
+          <a:p>
+            <a:r>
+              <a:rPr lang="ko-KR" altLang="en-US" dirty="0" err="1"/>
+              <a:t>인트로</a:t>
+            </a:r>
+            <a:endParaRPr lang="ko-KR" altLang="en-US" dirty="0" err="1">
+              <a:ea typeface="맑은 고딕"/>
+            </a:endParaRPr>
+          </a:p>
+          <a:p>
+            <a:r>
+              <a:rPr lang="ko-KR" dirty="0" err="1"/>
+              <a:t>구매필요</a:t>
+            </a:r>
+            <a:endParaRPr dirty="0" err="1"/>
+          </a:p>
+          <a:p>
+            <a:r>
+              <a:rPr lang="ko-KR" dirty="0"/>
+              <a:t>삼겹살</a:t>
+            </a:r>
+            <a:endParaRPr dirty="0"/>
+          </a:p>
+          <a:p>
+            <a:r>
+              <a:rPr lang="ko-KR" dirty="0" err="1"/>
+              <a:t>가쓰오부시</a:t>
+            </a:r>
+            <a:endParaRPr dirty="0" err="1"/>
+          </a:p>
+          <a:p>
+            <a:r>
+              <a:rPr lang="ko-KR" dirty="0" err="1"/>
+              <a:t>오코노미야키소스</a:t>
+            </a:r>
+            <a:endParaRPr dirty="0" err="1"/>
+          </a:p>
+          <a:p>
+            <a:r>
+              <a:rPr lang="ko-KR" dirty="0"/>
+              <a:t>양배추</a:t>
+            </a:r>
+            <a:endParaRPr dirty="0"/>
+          </a:p>
+        </p:txBody>
+      </p:sp>
     </p:spTree>
     <p:extLst>
       <p:ext uri="{BB962C8B-B14F-4D97-AF65-F5344CB8AC3E}">
@@ -3119,6 +3867,36 @@
           <a:chExt cx="0" cy="0"/>
         </a:xfrm>
       </p:grpSpPr>
+      <p:sp>
+        <p:nvSpPr>
+          <p:cNvPr id="2" name="TextBox 1"/>
+          <p:cNvSpPr txBox="1"/>
+          <p:nvPr/>
+        </p:nvSpPr>
+        <p:spPr>
+          <a:xfrm>
+            <a:off x="1627632" y="886968"/>
+            <a:ext cx="1107996" cy="369332"/>
+          </a:xfrm>
+          <a:prstGeom prst="rect">
+            <a:avLst/>
+          </a:prstGeom>
+          <a:noFill/>
+        </p:spPr>
+        <p:txBody>
+          <a:bodyPr wrap="none" rtlCol="0">
+            <a:spAutoFit/>
+          </a:bodyPr>
+          <a:lstStyle/>
+          <a:p>
+            <a:r>
+              <a:rPr lang="ko-KR" altLang="en-US" dirty="0" err="1"/>
+              <a:t>재료소개</a:t>
+            </a:r>
+            <a:endParaRPr lang="ko-KR" altLang="en-US" dirty="0"/>
+          </a:p>
+        </p:txBody>
+      </p:sp>
     </p:spTree>
     <p:extLst>
       <p:ext uri="{BB962C8B-B14F-4D97-AF65-F5344CB8AC3E}">
@@ -3149,6 +3927,35 @@
           <a:chExt cx="0" cy="0"/>
         </a:xfrm>
       </p:grpSpPr>
+      <p:sp>
+        <p:nvSpPr>
+          <p:cNvPr id="2" name="TextBox 1"/>
+          <p:cNvSpPr txBox="1"/>
+          <p:nvPr/>
+        </p:nvSpPr>
+        <p:spPr>
+          <a:xfrm>
+            <a:off x="1865376" y="1170432"/>
+            <a:ext cx="1107996" cy="369332"/>
+          </a:xfrm>
+          <a:prstGeom prst="rect">
+            <a:avLst/>
+          </a:prstGeom>
+          <a:noFill/>
+        </p:spPr>
+        <p:txBody>
+          <a:bodyPr wrap="none" rtlCol="0">
+            <a:spAutoFit/>
+          </a:bodyPr>
+          <a:lstStyle/>
+          <a:p>
+            <a:r>
+              <a:rPr lang="ko-KR" altLang="en-US" dirty="0"/>
+              <a:t>조리과정</a:t>
+            </a:r>
+          </a:p>
+        </p:txBody>
+      </p:sp>
     </p:spTree>
     <p:extLst>
       <p:ext uri="{BB962C8B-B14F-4D97-AF65-F5344CB8AC3E}">
